--- a/COVID-19 Cases_2/tableau viz/presentation/COVID-19 Cases-part-4.pptx
+++ b/COVID-19 Cases_2/tableau viz/presentation/COVID-19 Cases-part-4.pptx
@@ -3331,7 +3331,7 @@
           <p:cNvPr id="0" name="slide1">
             <a:extLst>
               <a:ext uri="{FF2B5EF4-FFF2-40B4-BE49-F238E27FC236}">
-                <a16:creationId xmlns:a16="http://schemas.microsoft.com/office/drawing/2014/main" id="{03251A4F-6FC4-4063-B407-B621B6DE9AA4}"/>
+                <a16:creationId xmlns:a16="http://schemas.microsoft.com/office/drawing/2014/main" id="{F81EB7A6-9CB3-4495-9E7A-5D0AD9E53BE0}"/>
               </a:ext>
             </a:extLst>
           </p:cNvPr>
@@ -3359,7 +3359,7 @@
           <p:cNvPr id="1" name="slide1">
             <a:extLst>
               <a:ext uri="{FF2B5EF4-FFF2-40B4-BE49-F238E27FC236}">
-                <a16:creationId xmlns:a16="http://schemas.microsoft.com/office/drawing/2014/main" id="{79ABB649-2230-407C-BE83-9960A2ADC271}"/>
+                <a16:creationId xmlns:a16="http://schemas.microsoft.com/office/drawing/2014/main" id="{931455A2-E0F9-4AF4-B1A9-6C9DE31C66A6}"/>
               </a:ext>
             </a:extLst>
           </p:cNvPr>
@@ -3377,7 +3377,7 @@
           <a:p>
             <a:r>
               <a:rPr/>
-              <a:t>File created on: 28-03-2020 20:30:32</a:t>
+              <a:t>File created on: 30-03-2020 17:46:51</a:t>
             </a:r>
           </a:p>
         </p:txBody>
@@ -3414,10 +3414,10 @@
       </p:grpSpPr>
       <p:pic>
         <p:nvPicPr>
-          <p:cNvPr descr="Story 11" id="2" name="slide2">
-            <a:extLst>
-              <a:ext uri="{FF2B5EF4-FFF2-40B4-BE49-F238E27FC236}">
-                <a16:creationId xmlns:a16="http://schemas.microsoft.com/office/drawing/2014/main" id="{C99C8C12-DD2E-421A-9251-64ED0D87D8E6}"/>
+          <p:cNvPr descr="Country wise COVID1" id="2" name="slide2">
+            <a:extLst>
+              <a:ext uri="{FF2B5EF4-FFF2-40B4-BE49-F238E27FC236}">
+                <a16:creationId xmlns:a16="http://schemas.microsoft.com/office/drawing/2014/main" id="{E72D462F-0911-4933-AF64-064CE03EEDCB}"/>
               </a:ext>
             </a:extLst>
           </p:cNvPr>
@@ -3480,10 +3480,10 @@
       </p:grpSpPr>
       <p:pic>
         <p:nvPicPr>
-          <p:cNvPr descr="Story 12" id="3" name="slide3">
-            <a:extLst>
-              <a:ext uri="{FF2B5EF4-FFF2-40B4-BE49-F238E27FC236}">
-                <a16:creationId xmlns:a16="http://schemas.microsoft.com/office/drawing/2014/main" id="{CAB58E57-B70C-4B96-B02E-4FB2C9727E6F}"/>
+          <p:cNvPr descr="Country wise COVID2" id="3" name="slide3">
+            <a:extLst>
+              <a:ext uri="{FF2B5EF4-FFF2-40B4-BE49-F238E27FC236}">
+                <a16:creationId xmlns:a16="http://schemas.microsoft.com/office/drawing/2014/main" id="{5E8EC9DC-027B-4E4A-9A95-02A3786CF934}"/>
               </a:ext>
             </a:extLst>
           </p:cNvPr>
@@ -3546,10 +3546,10 @@
       </p:grpSpPr>
       <p:pic>
         <p:nvPicPr>
-          <p:cNvPr descr="Story 13" id="4" name="slide4">
-            <a:extLst>
-              <a:ext uri="{FF2B5EF4-FFF2-40B4-BE49-F238E27FC236}">
-                <a16:creationId xmlns:a16="http://schemas.microsoft.com/office/drawing/2014/main" id="{CF91E20F-A8F3-40B1-87CA-7500BA09B889}"/>
+          <p:cNvPr descr="Country wise COVID3" id="4" name="slide4">
+            <a:extLst>
+              <a:ext uri="{FF2B5EF4-FFF2-40B4-BE49-F238E27FC236}">
+                <a16:creationId xmlns:a16="http://schemas.microsoft.com/office/drawing/2014/main" id="{707DC970-F900-44DA-B418-C2AED7689336}"/>
               </a:ext>
             </a:extLst>
           </p:cNvPr>
@@ -3612,10 +3612,10 @@
       </p:grpSpPr>
       <p:pic>
         <p:nvPicPr>
-          <p:cNvPr descr="Story 14" id="5" name="slide5">
-            <a:extLst>
-              <a:ext uri="{FF2B5EF4-FFF2-40B4-BE49-F238E27FC236}">
-                <a16:creationId xmlns:a16="http://schemas.microsoft.com/office/drawing/2014/main" id="{F84C51E8-087D-48BD-A562-91F89F7821E1}"/>
+          <p:cNvPr descr="Country wise COVID4" id="5" name="slide5">
+            <a:extLst>
+              <a:ext uri="{FF2B5EF4-FFF2-40B4-BE49-F238E27FC236}">
+                <a16:creationId xmlns:a16="http://schemas.microsoft.com/office/drawing/2014/main" id="{2B073FC4-F269-44EA-AA34-D69AC43EF495}"/>
               </a:ext>
             </a:extLst>
           </p:cNvPr>
@@ -3678,10 +3678,10 @@
       </p:grpSpPr>
       <p:pic>
         <p:nvPicPr>
-          <p:cNvPr descr="Story 15" id="6" name="slide6">
-            <a:extLst>
-              <a:ext uri="{FF2B5EF4-FFF2-40B4-BE49-F238E27FC236}">
-                <a16:creationId xmlns:a16="http://schemas.microsoft.com/office/drawing/2014/main" id="{3AEBA565-0604-4989-BDDA-57E23C8C4E5C}"/>
+          <p:cNvPr descr="Country wise COVID5" id="6" name="slide6">
+            <a:extLst>
+              <a:ext uri="{FF2B5EF4-FFF2-40B4-BE49-F238E27FC236}">
+                <a16:creationId xmlns:a16="http://schemas.microsoft.com/office/drawing/2014/main" id="{F070FB64-3691-4169-82A7-A699076B1164}"/>
               </a:ext>
             </a:extLst>
           </p:cNvPr>
